--- a/extra/implicature.pptx
+++ b/extra/implicature.pptx
@@ -5,7 +5,7 @@
     <p:sldMasterId id="2147483648" r:id="rId1"/>
   </p:sldMasterIdLst>
   <p:notesMasterIdLst>
-    <p:notesMasterId r:id="rId14"/>
+    <p:notesMasterId r:id="rId16"/>
   </p:notesMasterIdLst>
   <p:sldIdLst>
     <p:sldId id="270" r:id="rId2"/>
@@ -18,8 +18,10 @@
     <p:sldId id="264" r:id="rId9"/>
     <p:sldId id="265" r:id="rId10"/>
     <p:sldId id="266" r:id="rId11"/>
-    <p:sldId id="267" r:id="rId12"/>
-    <p:sldId id="268" r:id="rId13"/>
+    <p:sldId id="272" r:id="rId12"/>
+    <p:sldId id="267" r:id="rId13"/>
+    <p:sldId id="268" r:id="rId14"/>
+    <p:sldId id="273" r:id="rId15"/>
   </p:sldIdLst>
   <p:sldSz cx="12192000" cy="6858000"/>
   <p:notesSz cx="6858000" cy="9144000"/>
@@ -208,7 +210,7 @@
           <a:p>
             <a:fld id="{067B1328-FBA7-A54A-86BE-4FAFCAA9311A}" type="datetimeFigureOut">
               <a:rPr lang="en-US" smtClean="0"/>
-              <a:t>10/3/22</a:t>
+              <a:t>10/4/22</a:t>
             </a:fld>
             <a:endParaRPr lang="en-US"/>
           </a:p>
@@ -718,7 +720,7 @@
     </p:spTree>
     <p:extLst>
       <p:ext uri="{BB962C8B-B14F-4D97-AF65-F5344CB8AC3E}">
-        <p14:creationId xmlns:p14="http://schemas.microsoft.com/office/powerpoint/2010/main" val="3132815686"/>
+        <p14:creationId xmlns:p14="http://schemas.microsoft.com/office/powerpoint/2010/main" val="3509499908"/>
       </p:ext>
     </p:extLst>
   </p:cSld>
@@ -802,7 +804,175 @@
     </p:spTree>
     <p:extLst>
       <p:ext uri="{BB962C8B-B14F-4D97-AF65-F5344CB8AC3E}">
+        <p14:creationId xmlns:p14="http://schemas.microsoft.com/office/powerpoint/2010/main" val="3132815686"/>
+      </p:ext>
+    </p:extLst>
+  </p:cSld>
+  <p:clrMapOvr>
+    <a:masterClrMapping/>
+  </p:clrMapOvr>
+</p:notes>
+</file>
+
+<file path=ppt/notesSlides/notesSlide13.xml><?xml version="1.0" encoding="utf-8"?>
+<p:notes xmlns:a="http://schemas.openxmlformats.org/drawingml/2006/main" xmlns:r="http://schemas.openxmlformats.org/officeDocument/2006/relationships" xmlns:p="http://schemas.openxmlformats.org/presentationml/2006/main">
+  <p:cSld>
+    <p:spTree>
+      <p:nvGrpSpPr>
+        <p:cNvPr id="1" name=""/>
+        <p:cNvGrpSpPr/>
+        <p:nvPr/>
+      </p:nvGrpSpPr>
+      <p:grpSpPr>
+        <a:xfrm>
+          <a:off x="0" y="0"/>
+          <a:ext cx="0" cy="0"/>
+          <a:chOff x="0" y="0"/>
+          <a:chExt cx="0" cy="0"/>
+        </a:xfrm>
+      </p:grpSpPr>
+      <p:sp>
+        <p:nvSpPr>
+          <p:cNvPr id="2" name="Espace réservé de l'image des diapositives 1"/>
+          <p:cNvSpPr>
+            <a:spLocks noGrp="1" noRot="1" noChangeAspect="1"/>
+          </p:cNvSpPr>
+          <p:nvPr>
+            <p:ph type="sldImg"/>
+          </p:nvPr>
+        </p:nvSpPr>
+        <p:spPr/>
+      </p:sp>
+      <p:sp>
+        <p:nvSpPr>
+          <p:cNvPr id="3" name="Espace réservé des notes 2"/>
+          <p:cNvSpPr>
+            <a:spLocks noGrp="1"/>
+          </p:cNvSpPr>
+          <p:nvPr>
+            <p:ph type="body" idx="1"/>
+          </p:nvPr>
+        </p:nvSpPr>
+        <p:spPr/>
+        <p:txBody>
+          <a:bodyPr/>
+          <a:lstStyle/>
+          <a:p>
+            <a:endParaRPr lang="en-US" dirty="0"/>
+          </a:p>
+        </p:txBody>
+      </p:sp>
+      <p:sp>
+        <p:nvSpPr>
+          <p:cNvPr id="4" name="Espace réservé du numéro de diapositive 3"/>
+          <p:cNvSpPr>
+            <a:spLocks noGrp="1"/>
+          </p:cNvSpPr>
+          <p:nvPr>
+            <p:ph type="sldNum" sz="quarter" idx="5"/>
+          </p:nvPr>
+        </p:nvSpPr>
+        <p:spPr/>
+        <p:txBody>
+          <a:bodyPr/>
+          <a:lstStyle/>
+          <a:p>
+            <a:fld id="{D6B1147D-71F1-F446-94EA-375E26B9EE5D}" type="slidenum">
+              <a:rPr lang="en-US" smtClean="0"/>
+              <a:t>13</a:t>
+            </a:fld>
+            <a:endParaRPr lang="en-US"/>
+          </a:p>
+        </p:txBody>
+      </p:sp>
+    </p:spTree>
+    <p:extLst>
+      <p:ext uri="{BB962C8B-B14F-4D97-AF65-F5344CB8AC3E}">
         <p14:creationId xmlns:p14="http://schemas.microsoft.com/office/powerpoint/2010/main" val="2707074066"/>
+      </p:ext>
+    </p:extLst>
+  </p:cSld>
+  <p:clrMapOvr>
+    <a:masterClrMapping/>
+  </p:clrMapOvr>
+</p:notes>
+</file>
+
+<file path=ppt/notesSlides/notesSlide14.xml><?xml version="1.0" encoding="utf-8"?>
+<p:notes xmlns:a="http://schemas.openxmlformats.org/drawingml/2006/main" xmlns:r="http://schemas.openxmlformats.org/officeDocument/2006/relationships" xmlns:p="http://schemas.openxmlformats.org/presentationml/2006/main">
+  <p:cSld>
+    <p:spTree>
+      <p:nvGrpSpPr>
+        <p:cNvPr id="1" name=""/>
+        <p:cNvGrpSpPr/>
+        <p:nvPr/>
+      </p:nvGrpSpPr>
+      <p:grpSpPr>
+        <a:xfrm>
+          <a:off x="0" y="0"/>
+          <a:ext cx="0" cy="0"/>
+          <a:chOff x="0" y="0"/>
+          <a:chExt cx="0" cy="0"/>
+        </a:xfrm>
+      </p:grpSpPr>
+      <p:sp>
+        <p:nvSpPr>
+          <p:cNvPr id="2" name="Espace réservé de l'image des diapositives 1"/>
+          <p:cNvSpPr>
+            <a:spLocks noGrp="1" noRot="1" noChangeAspect="1"/>
+          </p:cNvSpPr>
+          <p:nvPr>
+            <p:ph type="sldImg"/>
+          </p:nvPr>
+        </p:nvSpPr>
+        <p:spPr/>
+      </p:sp>
+      <p:sp>
+        <p:nvSpPr>
+          <p:cNvPr id="3" name="Espace réservé des notes 2"/>
+          <p:cNvSpPr>
+            <a:spLocks noGrp="1"/>
+          </p:cNvSpPr>
+          <p:nvPr>
+            <p:ph type="body" idx="1"/>
+          </p:nvPr>
+        </p:nvSpPr>
+        <p:spPr/>
+        <p:txBody>
+          <a:bodyPr/>
+          <a:lstStyle/>
+          <a:p>
+            <a:endParaRPr lang="en-US" dirty="0"/>
+          </a:p>
+        </p:txBody>
+      </p:sp>
+      <p:sp>
+        <p:nvSpPr>
+          <p:cNvPr id="4" name="Espace réservé du numéro de diapositive 3"/>
+          <p:cNvSpPr>
+            <a:spLocks noGrp="1"/>
+          </p:cNvSpPr>
+          <p:nvPr>
+            <p:ph type="sldNum" sz="quarter" idx="5"/>
+          </p:nvPr>
+        </p:nvSpPr>
+        <p:spPr/>
+        <p:txBody>
+          <a:bodyPr/>
+          <a:lstStyle/>
+          <a:p>
+            <a:fld id="{D6B1147D-71F1-F446-94EA-375E26B9EE5D}" type="slidenum">
+              <a:rPr lang="en-US" smtClean="0"/>
+              <a:t>14</a:t>
+            </a:fld>
+            <a:endParaRPr lang="en-US"/>
+          </a:p>
+        </p:txBody>
+      </p:sp>
+    </p:spTree>
+    <p:extLst>
+      <p:ext uri="{BB962C8B-B14F-4D97-AF65-F5344CB8AC3E}">
+        <p14:creationId xmlns:p14="http://schemas.microsoft.com/office/powerpoint/2010/main" val="130912820"/>
       </p:ext>
     </p:extLst>
   </p:cSld>
@@ -1631,7 +1801,7 @@
           <a:p>
             <a:fld id="{7B9169B0-A344-9A43-AAD5-682508993835}" type="datetimeFigureOut">
               <a:rPr lang="fr-FR" smtClean="0"/>
-              <a:t>03/10/2022</a:t>
+              <a:t>04/10/2022</a:t>
             </a:fld>
             <a:endParaRPr lang="fr-FR"/>
           </a:p>
@@ -1829,7 +1999,7 @@
           <a:p>
             <a:fld id="{7B9169B0-A344-9A43-AAD5-682508993835}" type="datetimeFigureOut">
               <a:rPr lang="fr-FR" smtClean="0"/>
-              <a:t>03/10/2022</a:t>
+              <a:t>04/10/2022</a:t>
             </a:fld>
             <a:endParaRPr lang="fr-FR"/>
           </a:p>
@@ -2037,7 +2207,7 @@
           <a:p>
             <a:fld id="{7B9169B0-A344-9A43-AAD5-682508993835}" type="datetimeFigureOut">
               <a:rPr lang="fr-FR" smtClean="0"/>
-              <a:t>03/10/2022</a:t>
+              <a:t>04/10/2022</a:t>
             </a:fld>
             <a:endParaRPr lang="fr-FR"/>
           </a:p>
@@ -2235,7 +2405,7 @@
           <a:p>
             <a:fld id="{7B9169B0-A344-9A43-AAD5-682508993835}" type="datetimeFigureOut">
               <a:rPr lang="fr-FR" smtClean="0"/>
-              <a:t>03/10/2022</a:t>
+              <a:t>04/10/2022</a:t>
             </a:fld>
             <a:endParaRPr lang="fr-FR"/>
           </a:p>
@@ -2510,7 +2680,7 @@
           <a:p>
             <a:fld id="{7B9169B0-A344-9A43-AAD5-682508993835}" type="datetimeFigureOut">
               <a:rPr lang="fr-FR" smtClean="0"/>
-              <a:t>03/10/2022</a:t>
+              <a:t>04/10/2022</a:t>
             </a:fld>
             <a:endParaRPr lang="fr-FR"/>
           </a:p>
@@ -2775,7 +2945,7 @@
           <a:p>
             <a:fld id="{7B9169B0-A344-9A43-AAD5-682508993835}" type="datetimeFigureOut">
               <a:rPr lang="fr-FR" smtClean="0"/>
-              <a:t>03/10/2022</a:t>
+              <a:t>04/10/2022</a:t>
             </a:fld>
             <a:endParaRPr lang="fr-FR"/>
           </a:p>
@@ -3187,7 +3357,7 @@
           <a:p>
             <a:fld id="{7B9169B0-A344-9A43-AAD5-682508993835}" type="datetimeFigureOut">
               <a:rPr lang="fr-FR" smtClean="0"/>
-              <a:t>03/10/2022</a:t>
+              <a:t>04/10/2022</a:t>
             </a:fld>
             <a:endParaRPr lang="fr-FR"/>
           </a:p>
@@ -3328,7 +3498,7 @@
           <a:p>
             <a:fld id="{7B9169B0-A344-9A43-AAD5-682508993835}" type="datetimeFigureOut">
               <a:rPr lang="fr-FR" smtClean="0"/>
-              <a:t>03/10/2022</a:t>
+              <a:t>04/10/2022</a:t>
             </a:fld>
             <a:endParaRPr lang="fr-FR"/>
           </a:p>
@@ -3441,7 +3611,7 @@
           <a:p>
             <a:fld id="{7B9169B0-A344-9A43-AAD5-682508993835}" type="datetimeFigureOut">
               <a:rPr lang="fr-FR" smtClean="0"/>
-              <a:t>03/10/2022</a:t>
+              <a:t>04/10/2022</a:t>
             </a:fld>
             <a:endParaRPr lang="fr-FR"/>
           </a:p>
@@ -3752,7 +3922,7 @@
           <a:p>
             <a:fld id="{7B9169B0-A344-9A43-AAD5-682508993835}" type="datetimeFigureOut">
               <a:rPr lang="fr-FR" smtClean="0"/>
-              <a:t>03/10/2022</a:t>
+              <a:t>04/10/2022</a:t>
             </a:fld>
             <a:endParaRPr lang="fr-FR"/>
           </a:p>
@@ -4040,7 +4210,7 @@
           <a:p>
             <a:fld id="{7B9169B0-A344-9A43-AAD5-682508993835}" type="datetimeFigureOut">
               <a:rPr lang="fr-FR" smtClean="0"/>
-              <a:t>03/10/2022</a:t>
+              <a:t>04/10/2022</a:t>
             </a:fld>
             <a:endParaRPr lang="fr-FR"/>
           </a:p>
@@ -4281,7 +4451,7 @@
           <a:p>
             <a:fld id="{7B9169B0-A344-9A43-AAD5-682508993835}" type="datetimeFigureOut">
               <a:rPr lang="fr-FR" smtClean="0"/>
-              <a:t>03/10/2022</a:t>
+              <a:t>04/10/2022</a:t>
             </a:fld>
             <a:endParaRPr lang="fr-FR"/>
           </a:p>
@@ -4713,7 +4883,7 @@
         <p:spPr>
           <a:xfrm>
             <a:off x="2412449" y="958047"/>
-            <a:ext cx="7367101" cy="3416320"/>
+            <a:ext cx="7367101" cy="3231654"/>
           </a:xfrm>
           <a:prstGeom prst="rect">
             <a:avLst/>
@@ -4728,7 +4898,7 @@
           <a:p>
             <a:pPr algn="ctr"/>
             <a:r>
-              <a:rPr lang="fr-FR" sz="6000" b="1" noProof="1"/>
+              <a:rPr lang="fr-FR" sz="6000" b="1" u="sng" noProof="1"/>
               <a:t>IMPLICATURE</a:t>
             </a:r>
           </a:p>
@@ -4739,7 +4909,7 @@
           <a:p>
             <a:pPr algn="ctr"/>
             <a:r>
-              <a:rPr lang="fr-FR" sz="3200" i="1" noProof="1">
+              <a:rPr lang="fr-FR" sz="2800" i="1" noProof="1">
                 <a:solidFill>
                   <a:schemeClr val="tx1">
                     <a:lumMod val="50000"/>
@@ -4747,7 +4917,7 @@
                   </a:schemeClr>
                 </a:solidFill>
               </a:rPr>
-              <a:t>Clarifying summaries of the material to help fill in the gaps and build confidence in our understanding of the material…</a:t>
+              <a:t>Clarifying summaries of the material to help fill in the gaps and build confidence in our understanding of the core concepts…</a:t>
             </a:r>
           </a:p>
         </p:txBody>
@@ -5023,7 +5193,7 @@
           <a:p>
             <a:r>
               <a:rPr lang="fr-FR" sz="2400" noProof="1"/>
-              <a:t>Some more examples; and these are just a few of the many idenfied categories!</a:t>
+              <a:t>More examples of I-implicature; and these are just a few of the many identified categories!</a:t>
             </a:r>
           </a:p>
           <a:p>
@@ -5137,7 +5307,7 @@
         <p:spPr>
           <a:xfrm>
             <a:off x="68068" y="43959"/>
-            <a:ext cx="11785624" cy="830997"/>
+            <a:ext cx="7367101" cy="830997"/>
           </a:xfrm>
           <a:prstGeom prst="rect">
             <a:avLst/>
@@ -5152,7 +5322,7 @@
           <a:p>
             <a:r>
               <a:rPr lang="fr-FR" sz="4800" b="1" u="sng" noProof="1"/>
-              <a:t>Relevance Theory (Wilson &amp; Sperber, 1986)</a:t>
+              <a:t>Levinson (1987, 2000)</a:t>
             </a:r>
           </a:p>
         </p:txBody>
@@ -5259,8 +5429,8 @@
         </p:nvSpPr>
         <p:spPr>
           <a:xfrm>
-            <a:off x="338308" y="1053860"/>
-            <a:ext cx="11409744" cy="4893647"/>
+            <a:off x="338308" y="1033296"/>
+            <a:ext cx="11601444" cy="4893647"/>
           </a:xfrm>
           <a:prstGeom prst="rect">
             <a:avLst/>
@@ -5274,77 +5444,118 @@
           <a:lstStyle/>
           <a:p>
             <a:r>
-              <a:rPr lang="fr-FR" sz="2400" noProof="1"/>
-              <a:t>Part of a more expansive cognitive theory about how communication works. Built on two principals:</a:t>
-            </a:r>
-          </a:p>
-          <a:p>
-            <a:endParaRPr lang="fr-FR" sz="2400" noProof="1"/>
-          </a:p>
-          <a:p>
-            <a:r>
-              <a:rPr lang="fr-FR" sz="2400" noProof="1"/>
-              <a:t>	– the hearer assumes what is said is relevant enough to be worth processing</a:t>
-            </a:r>
-          </a:p>
-          <a:p>
-            <a:r>
-              <a:rPr lang="fr-FR" sz="2400" noProof="1"/>
-              <a:t>	– the utterance is the most relevant communication that would convey the 		desired information</a:t>
-            </a:r>
-          </a:p>
-          <a:p>
-            <a:endParaRPr lang="fr-FR" sz="2400" noProof="1"/>
-          </a:p>
-          <a:p>
-            <a:r>
-              <a:rPr lang="fr-FR" sz="2400" noProof="1"/>
-              <a:t>The theory also adds a third level of processing:</a:t>
-            </a:r>
-          </a:p>
-          <a:p>
-            <a:endParaRPr lang="fr-FR" sz="2400" noProof="1"/>
-          </a:p>
-          <a:p>
-            <a:r>
-              <a:rPr lang="fr-FR" sz="2400" noProof="1"/>
-              <a:t>	– </a:t>
-            </a:r>
-            <a:r>
-              <a:rPr lang="fr-FR" sz="2400" b="1" noProof="1"/>
-              <a:t>what is said</a:t>
-            </a:r>
-            <a:r>
-              <a:rPr lang="fr-FR" sz="2400" noProof="1"/>
-              <a:t>: the semantic layer of what is literally communicated</a:t>
-            </a:r>
-          </a:p>
-          <a:p>
-            <a:r>
-              <a:rPr lang="fr-FR" sz="2400" noProof="1"/>
-              <a:t>	– </a:t>
-            </a:r>
-            <a:r>
-              <a:rPr lang="fr-FR" sz="2400" b="1" noProof="1"/>
-              <a:t>what is explicated</a:t>
-            </a:r>
-            <a:r>
-              <a:rPr lang="fr-FR" sz="2400" noProof="1"/>
-              <a:t>: enriching utterance with information to make it truth-	evaluable</a:t>
-            </a:r>
-          </a:p>
-          <a:p>
-            <a:r>
-              <a:rPr lang="fr-FR" sz="2400" noProof="1"/>
-              <a:t>	– </a:t>
-            </a:r>
-            <a:r>
-              <a:rPr lang="fr-FR" sz="2400" b="1" noProof="1"/>
-              <a:t>what is implicated</a:t>
-            </a:r>
-            <a:r>
-              <a:rPr lang="fr-FR" sz="2400" noProof="1"/>
-              <a:t>: non-truth conditional meaning intended by the speaker</a:t>
+              <a:rPr lang="en-US" sz="2400" noProof="1"/>
+              <a:t>M-implicture only exists if there are two equivalent ways of denoting the </a:t>
+            </a:r>
+            <a:r>
+              <a:rPr lang="en-US" sz="2400" i="1" noProof="1"/>
+              <a:t>exact same thing </a:t>
+            </a:r>
+            <a:r>
+              <a:rPr lang="en-US" sz="2400" noProof="1"/>
+              <a:t>but one is more common than the other. I don’t know of any general subtypes of these, but here are two examples:</a:t>
+            </a:r>
+          </a:p>
+          <a:p>
+            <a:endParaRPr lang="en-US" sz="2400" noProof="1"/>
+          </a:p>
+          <a:p>
+            <a:r>
+              <a:rPr lang="en-US" sz="2400" noProof="1">
+                <a:solidFill>
+                  <a:schemeClr val="accent6">
+                    <a:lumMod val="75000"/>
+                  </a:schemeClr>
+                </a:solidFill>
+              </a:rPr>
+              <a:t>“The timetable is reliable” (unmarked)</a:t>
+            </a:r>
+          </a:p>
+          <a:p>
+            <a:r>
+              <a:rPr lang="en-US" sz="2400" noProof="1">
+                <a:solidFill>
+                  <a:schemeClr val="accent6">
+                    <a:lumMod val="75000"/>
+                  </a:schemeClr>
+                </a:solidFill>
+              </a:rPr>
+              <a:t>	+&gt; The timetable is at least as reliable as one would expect.</a:t>
+            </a:r>
+          </a:p>
+          <a:p>
+            <a:r>
+              <a:rPr lang="en-US" sz="2400" noProof="1">
+                <a:solidFill>
+                  <a:schemeClr val="accent5">
+                    <a:lumMod val="75000"/>
+                  </a:schemeClr>
+                </a:solidFill>
+              </a:rPr>
+              <a:t>“The timetable is not unreliable” (marked)</a:t>
+            </a:r>
+          </a:p>
+          <a:p>
+            <a:r>
+              <a:rPr lang="en-US" sz="2400" noProof="1">
+                <a:solidFill>
+                  <a:schemeClr val="accent5">
+                    <a:lumMod val="75000"/>
+                  </a:schemeClr>
+                </a:solidFill>
+              </a:rPr>
+              <a:t>	+&gt; The timetable is less reliable than you would expect.</a:t>
+            </a:r>
+          </a:p>
+          <a:p>
+            <a:endParaRPr lang="en-US" sz="2400" noProof="1"/>
+          </a:p>
+          <a:p>
+            <a:r>
+              <a:rPr lang="en-US" sz="2400" noProof="1">
+                <a:solidFill>
+                  <a:schemeClr val="accent6">
+                    <a:lumMod val="75000"/>
+                  </a:schemeClr>
+                </a:solidFill>
+              </a:rPr>
+              <a:t>“I waited for the student in my office.” (unmarked)</a:t>
+            </a:r>
+          </a:p>
+          <a:p>
+            <a:r>
+              <a:rPr lang="en-US" sz="2400" noProof="1">
+                <a:solidFill>
+                  <a:schemeClr val="accent6">
+                    <a:lumMod val="75000"/>
+                  </a:schemeClr>
+                </a:solidFill>
+              </a:rPr>
+              <a:t>	+&gt; I waited a reasonable amount of time for the student.</a:t>
+            </a:r>
+          </a:p>
+          <a:p>
+            <a:r>
+              <a:rPr lang="en-US" sz="2400" noProof="1">
+                <a:solidFill>
+                  <a:schemeClr val="accent5">
+                    <a:lumMod val="75000"/>
+                  </a:schemeClr>
+                </a:solidFill>
+              </a:rPr>
+              <a:t>“I waited and waited for the student in my office.” (marked)</a:t>
+            </a:r>
+          </a:p>
+          <a:p>
+            <a:r>
+              <a:rPr lang="en-US" sz="2400" noProof="1">
+                <a:solidFill>
+                  <a:schemeClr val="accent5">
+                    <a:lumMod val="75000"/>
+                  </a:schemeClr>
+                </a:solidFill>
+              </a:rPr>
+              <a:t>	+&gt; I waited an unreasonable amount of time for the student.</a:t>
             </a:r>
           </a:p>
         </p:txBody>
@@ -5352,7 +5563,7 @@
     </p:spTree>
     <p:extLst>
       <p:ext uri="{BB962C8B-B14F-4D97-AF65-F5344CB8AC3E}">
-        <p14:creationId xmlns:p14="http://schemas.microsoft.com/office/powerpoint/2010/main" val="3231910004"/>
+        <p14:creationId xmlns:p14="http://schemas.microsoft.com/office/powerpoint/2010/main" val="576341474"/>
       </p:ext>
     </p:extLst>
   </p:cSld>
@@ -5516,8 +5727,8 @@
         </p:nvSpPr>
         <p:spPr>
           <a:xfrm>
-            <a:off x="391128" y="1481243"/>
-            <a:ext cx="10876217" cy="4524315"/>
+            <a:off x="338308" y="1053860"/>
+            <a:ext cx="11409744" cy="4893647"/>
           </a:xfrm>
           <a:prstGeom prst="rect">
             <a:avLst/>
@@ -5531,6 +5742,263 @@
           <a:lstStyle/>
           <a:p>
             <a:r>
+              <a:rPr lang="fr-FR" sz="2400" noProof="1"/>
+              <a:t>Part of a more expansive cognitive theory about how communication works. Built on two principals:</a:t>
+            </a:r>
+          </a:p>
+          <a:p>
+            <a:endParaRPr lang="fr-FR" sz="2400" noProof="1"/>
+          </a:p>
+          <a:p>
+            <a:r>
+              <a:rPr lang="fr-FR" sz="2400" noProof="1"/>
+              <a:t>	– the hearer assumes what is said is relevant enough to be worth processing</a:t>
+            </a:r>
+          </a:p>
+          <a:p>
+            <a:r>
+              <a:rPr lang="fr-FR" sz="2400" noProof="1"/>
+              <a:t>	– the utterance is the most relevant communication that would convey the 		desired information</a:t>
+            </a:r>
+          </a:p>
+          <a:p>
+            <a:endParaRPr lang="fr-FR" sz="2400" noProof="1"/>
+          </a:p>
+          <a:p>
+            <a:r>
+              <a:rPr lang="fr-FR" sz="2400" noProof="1"/>
+              <a:t>The theory also adds a third level of processing:</a:t>
+            </a:r>
+          </a:p>
+          <a:p>
+            <a:endParaRPr lang="fr-FR" sz="2400" noProof="1"/>
+          </a:p>
+          <a:p>
+            <a:r>
+              <a:rPr lang="fr-FR" sz="2400" noProof="1"/>
+              <a:t>	– </a:t>
+            </a:r>
+            <a:r>
+              <a:rPr lang="fr-FR" sz="2400" b="1" noProof="1"/>
+              <a:t>what is said</a:t>
+            </a:r>
+            <a:r>
+              <a:rPr lang="fr-FR" sz="2400" noProof="1"/>
+              <a:t>: the semantic layer of what is literally communicated</a:t>
+            </a:r>
+          </a:p>
+          <a:p>
+            <a:r>
+              <a:rPr lang="fr-FR" sz="2400" noProof="1"/>
+              <a:t>	– </a:t>
+            </a:r>
+            <a:r>
+              <a:rPr lang="fr-FR" sz="2400" b="1" noProof="1"/>
+              <a:t>what is explicated</a:t>
+            </a:r>
+            <a:r>
+              <a:rPr lang="fr-FR" sz="2400" noProof="1"/>
+              <a:t>: enriching utterance with information to make it truth-	evaluable</a:t>
+            </a:r>
+          </a:p>
+          <a:p>
+            <a:r>
+              <a:rPr lang="fr-FR" sz="2400" noProof="1"/>
+              <a:t>	– </a:t>
+            </a:r>
+            <a:r>
+              <a:rPr lang="fr-FR" sz="2400" b="1" noProof="1"/>
+              <a:t>what is implicated</a:t>
+            </a:r>
+            <a:r>
+              <a:rPr lang="fr-FR" sz="2400" noProof="1"/>
+              <a:t>: non-truth conditional meaning intended by the speaker</a:t>
+            </a:r>
+          </a:p>
+        </p:txBody>
+      </p:sp>
+    </p:spTree>
+    <p:extLst>
+      <p:ext uri="{BB962C8B-B14F-4D97-AF65-F5344CB8AC3E}">
+        <p14:creationId xmlns:p14="http://schemas.microsoft.com/office/powerpoint/2010/main" val="3231910004"/>
+      </p:ext>
+    </p:extLst>
+  </p:cSld>
+  <p:clrMapOvr>
+    <a:masterClrMapping/>
+  </p:clrMapOvr>
+</p:sld>
+</file>
+
+<file path=ppt/slides/slide13.xml><?xml version="1.0" encoding="utf-8"?>
+<p:sld xmlns:a="http://schemas.openxmlformats.org/drawingml/2006/main" xmlns:r="http://schemas.openxmlformats.org/officeDocument/2006/relationships" xmlns:p="http://schemas.openxmlformats.org/presentationml/2006/main">
+  <p:cSld>
+    <p:spTree>
+      <p:nvGrpSpPr>
+        <p:cNvPr id="1" name=""/>
+        <p:cNvGrpSpPr/>
+        <p:nvPr/>
+      </p:nvGrpSpPr>
+      <p:grpSpPr>
+        <a:xfrm>
+          <a:off x="0" y="0"/>
+          <a:ext cx="0" cy="0"/>
+          <a:chOff x="0" y="0"/>
+          <a:chExt cx="0" cy="0"/>
+        </a:xfrm>
+      </p:grpSpPr>
+      <p:sp>
+        <p:nvSpPr>
+          <p:cNvPr id="72" name="ZoneTexte 71">
+            <a:extLst>
+              <a:ext uri="{FF2B5EF4-FFF2-40B4-BE49-F238E27FC236}">
+                <a16:creationId xmlns:a16="http://schemas.microsoft.com/office/drawing/2014/main" id="{3890A706-5F2B-E84E-A26A-A267907CC130}"/>
+              </a:ext>
+            </a:extLst>
+          </p:cNvPr>
+          <p:cNvSpPr txBox="1"/>
+          <p:nvPr/>
+        </p:nvSpPr>
+        <p:spPr>
+          <a:xfrm>
+            <a:off x="68068" y="43959"/>
+            <a:ext cx="11785624" cy="830997"/>
+          </a:xfrm>
+          <a:prstGeom prst="rect">
+            <a:avLst/>
+          </a:prstGeom>
+          <a:noFill/>
+        </p:spPr>
+        <p:txBody>
+          <a:bodyPr wrap="square" rtlCol="0">
+            <a:spAutoFit/>
+          </a:bodyPr>
+          <a:lstStyle/>
+          <a:p>
+            <a:r>
+              <a:rPr lang="fr-FR" sz="4800" b="1" u="sng" noProof="1"/>
+              <a:t>Relevance Theory (Wilson &amp; Sperber, 1986)</a:t>
+            </a:r>
+          </a:p>
+        </p:txBody>
+      </p:sp>
+      <p:pic>
+        <p:nvPicPr>
+          <p:cNvPr id="1026" name="Picture 2">
+            <a:extLst>
+              <a:ext uri="{FF2B5EF4-FFF2-40B4-BE49-F238E27FC236}">
+                <a16:creationId xmlns:a16="http://schemas.microsoft.com/office/drawing/2014/main" id="{ECEC78D4-0EC8-6148-B750-42F18BFCA56C}"/>
+              </a:ext>
+            </a:extLst>
+          </p:cNvPr>
+          <p:cNvPicPr>
+            <a:picLocks noChangeAspect="1" noChangeArrowheads="1"/>
+          </p:cNvPicPr>
+          <p:nvPr/>
+        </p:nvPicPr>
+        <p:blipFill>
+          <a:blip r:embed="rId3">
+            <a:extLst>
+              <a:ext uri="{28A0092B-C50C-407E-A947-70E740481C1C}">
+                <a14:useLocalDpi xmlns:a14="http://schemas.microsoft.com/office/drawing/2010/main" val="0"/>
+              </a:ext>
+            </a:extLst>
+          </a:blip>
+          <a:srcRect/>
+          <a:stretch>
+            <a:fillRect/>
+          </a:stretch>
+        </p:blipFill>
+        <p:spPr bwMode="auto">
+          <a:xfrm>
+            <a:off x="11267345" y="6475487"/>
+            <a:ext cx="856587" cy="299700"/>
+          </a:xfrm>
+          <a:prstGeom prst="rect">
+            <a:avLst/>
+          </a:prstGeom>
+          <a:noFill/>
+          <a:extLst>
+            <a:ext uri="{909E8E84-426E-40DD-AFC4-6F175D3DCCD1}">
+              <a14:hiddenFill xmlns:a14="http://schemas.microsoft.com/office/drawing/2010/main">
+                <a:solidFill>
+                  <a:srgbClr val="FFFFFF"/>
+                </a:solidFill>
+              </a14:hiddenFill>
+            </a:ext>
+          </a:extLst>
+        </p:spPr>
+      </p:pic>
+      <p:sp>
+        <p:nvSpPr>
+          <p:cNvPr id="76" name="ZoneTexte 75">
+            <a:extLst>
+              <a:ext uri="{FF2B5EF4-FFF2-40B4-BE49-F238E27FC236}">
+                <a16:creationId xmlns:a16="http://schemas.microsoft.com/office/drawing/2014/main" id="{827C32F7-EAB8-F143-B412-CBD04F7209BF}"/>
+              </a:ext>
+            </a:extLst>
+          </p:cNvPr>
+          <p:cNvSpPr txBox="1"/>
+          <p:nvPr/>
+        </p:nvSpPr>
+        <p:spPr>
+          <a:xfrm>
+            <a:off x="68068" y="6475487"/>
+            <a:ext cx="4030964" cy="338554"/>
+          </a:xfrm>
+          <a:prstGeom prst="rect">
+            <a:avLst/>
+          </a:prstGeom>
+          <a:noFill/>
+        </p:spPr>
+        <p:txBody>
+          <a:bodyPr wrap="square" rtlCol="0">
+            <a:spAutoFit/>
+          </a:bodyPr>
+          <a:lstStyle/>
+          <a:p>
+            <a:r>
+              <a:rPr lang="fr-FR" sz="1600" noProof="1">
+                <a:solidFill>
+                  <a:schemeClr val="bg1">
+                    <a:lumMod val="65000"/>
+                  </a:schemeClr>
+                </a:solidFill>
+              </a:rPr>
+              <a:t>T. ARNOLD</a:t>
+            </a:r>
+          </a:p>
+        </p:txBody>
+      </p:sp>
+      <p:sp>
+        <p:nvSpPr>
+          <p:cNvPr id="2" name="ZoneTexte 71">
+            <a:extLst>
+              <a:ext uri="{FF2B5EF4-FFF2-40B4-BE49-F238E27FC236}">
+                <a16:creationId xmlns:a16="http://schemas.microsoft.com/office/drawing/2014/main" id="{AEE56A58-B799-539C-7755-79635B994B0B}"/>
+              </a:ext>
+            </a:extLst>
+          </p:cNvPr>
+          <p:cNvSpPr txBox="1"/>
+          <p:nvPr/>
+        </p:nvSpPr>
+        <p:spPr>
+          <a:xfrm>
+            <a:off x="391128" y="1481243"/>
+            <a:ext cx="11065148" cy="2308324"/>
+          </a:xfrm>
+          <a:prstGeom prst="rect">
+            <a:avLst/>
+          </a:prstGeom>
+          <a:noFill/>
+        </p:spPr>
+        <p:txBody>
+          <a:bodyPr wrap="square" rtlCol="0">
+            <a:spAutoFit/>
+          </a:bodyPr>
+          <a:lstStyle/>
+          <a:p>
+            <a:r>
               <a:rPr lang="en-US" sz="2400" noProof="1"/>
               <a:t>Here is a common example of how relevance theory might interpret an utterance:</a:t>
             </a:r>
@@ -5541,7 +6009,7 @@
           <a:p>
             <a:r>
               <a:rPr lang="en-US" sz="2400" noProof="1"/>
-              <a:t>	Q: “Do you want to see a movie tonight?” A: “There is a math test Friday.”</a:t>
+              <a:t>	Q: “Do you want to see a movie tonight?” A: “I need to take a math test Friday.”</a:t>
             </a:r>
           </a:p>
           <a:p>
@@ -5550,15 +6018,227 @@
           <a:p>
             <a:r>
               <a:rPr lang="en-US" sz="2400" noProof="1"/>
-              <a:t>	(explicated) </a:t>
+              <a:t>	(explicated) I need to take a mathematics test </a:t>
             </a:r>
             <a:r>
               <a:rPr lang="en-US" sz="2400" u="sng" noProof="1"/>
-              <a:t>I need to take </a:t>
+              <a:t>this</a:t>
             </a:r>
             <a:r>
               <a:rPr lang="en-US" sz="2400" noProof="1"/>
-              <a:t>a test in mathematics </a:t>
+              <a:t> Friday.</a:t>
+            </a:r>
+          </a:p>
+          <a:p>
+            <a:r>
+              <a:rPr lang="en-US" sz="2400" noProof="1"/>
+              <a:t>	(implicated) I cannot go to the movies because I am studying for the test.</a:t>
+            </a:r>
+          </a:p>
+        </p:txBody>
+      </p:sp>
+    </p:spTree>
+    <p:extLst>
+      <p:ext uri="{BB962C8B-B14F-4D97-AF65-F5344CB8AC3E}">
+        <p14:creationId xmlns:p14="http://schemas.microsoft.com/office/powerpoint/2010/main" val="1100774640"/>
+      </p:ext>
+    </p:extLst>
+  </p:cSld>
+  <p:clrMapOvr>
+    <a:masterClrMapping/>
+  </p:clrMapOvr>
+</p:sld>
+</file>
+
+<file path=ppt/slides/slide14.xml><?xml version="1.0" encoding="utf-8"?>
+<p:sld xmlns:a="http://schemas.openxmlformats.org/drawingml/2006/main" xmlns:r="http://schemas.openxmlformats.org/officeDocument/2006/relationships" xmlns:p="http://schemas.openxmlformats.org/presentationml/2006/main">
+  <p:cSld>
+    <p:spTree>
+      <p:nvGrpSpPr>
+        <p:cNvPr id="1" name=""/>
+        <p:cNvGrpSpPr/>
+        <p:nvPr/>
+      </p:nvGrpSpPr>
+      <p:grpSpPr>
+        <a:xfrm>
+          <a:off x="0" y="0"/>
+          <a:ext cx="0" cy="0"/>
+          <a:chOff x="0" y="0"/>
+          <a:chExt cx="0" cy="0"/>
+        </a:xfrm>
+      </p:grpSpPr>
+      <p:sp>
+        <p:nvSpPr>
+          <p:cNvPr id="72" name="ZoneTexte 71">
+            <a:extLst>
+              <a:ext uri="{FF2B5EF4-FFF2-40B4-BE49-F238E27FC236}">
+                <a16:creationId xmlns:a16="http://schemas.microsoft.com/office/drawing/2014/main" id="{3890A706-5F2B-E84E-A26A-A267907CC130}"/>
+              </a:ext>
+            </a:extLst>
+          </p:cNvPr>
+          <p:cNvSpPr txBox="1"/>
+          <p:nvPr/>
+        </p:nvSpPr>
+        <p:spPr>
+          <a:xfrm>
+            <a:off x="68068" y="43959"/>
+            <a:ext cx="11785624" cy="830997"/>
+          </a:xfrm>
+          <a:prstGeom prst="rect">
+            <a:avLst/>
+          </a:prstGeom>
+          <a:noFill/>
+        </p:spPr>
+        <p:txBody>
+          <a:bodyPr wrap="square" rtlCol="0">
+            <a:spAutoFit/>
+          </a:bodyPr>
+          <a:lstStyle/>
+          <a:p>
+            <a:r>
+              <a:rPr lang="fr-FR" sz="4800" b="1" u="sng" noProof="1"/>
+              <a:t>Relevance Theory (Wilson &amp; Sperber, 1986)</a:t>
+            </a:r>
+          </a:p>
+        </p:txBody>
+      </p:sp>
+      <p:pic>
+        <p:nvPicPr>
+          <p:cNvPr id="1026" name="Picture 2">
+            <a:extLst>
+              <a:ext uri="{FF2B5EF4-FFF2-40B4-BE49-F238E27FC236}">
+                <a16:creationId xmlns:a16="http://schemas.microsoft.com/office/drawing/2014/main" id="{ECEC78D4-0EC8-6148-B750-42F18BFCA56C}"/>
+              </a:ext>
+            </a:extLst>
+          </p:cNvPr>
+          <p:cNvPicPr>
+            <a:picLocks noChangeAspect="1" noChangeArrowheads="1"/>
+          </p:cNvPicPr>
+          <p:nvPr/>
+        </p:nvPicPr>
+        <p:blipFill>
+          <a:blip r:embed="rId3">
+            <a:extLst>
+              <a:ext uri="{28A0092B-C50C-407E-A947-70E740481C1C}">
+                <a14:useLocalDpi xmlns:a14="http://schemas.microsoft.com/office/drawing/2010/main" val="0"/>
+              </a:ext>
+            </a:extLst>
+          </a:blip>
+          <a:srcRect/>
+          <a:stretch>
+            <a:fillRect/>
+          </a:stretch>
+        </p:blipFill>
+        <p:spPr bwMode="auto">
+          <a:xfrm>
+            <a:off x="11267345" y="6475487"/>
+            <a:ext cx="856587" cy="299700"/>
+          </a:xfrm>
+          <a:prstGeom prst="rect">
+            <a:avLst/>
+          </a:prstGeom>
+          <a:noFill/>
+          <a:extLst>
+            <a:ext uri="{909E8E84-426E-40DD-AFC4-6F175D3DCCD1}">
+              <a14:hiddenFill xmlns:a14="http://schemas.microsoft.com/office/drawing/2010/main">
+                <a:solidFill>
+                  <a:srgbClr val="FFFFFF"/>
+                </a:solidFill>
+              </a14:hiddenFill>
+            </a:ext>
+          </a:extLst>
+        </p:spPr>
+      </p:pic>
+      <p:sp>
+        <p:nvSpPr>
+          <p:cNvPr id="76" name="ZoneTexte 75">
+            <a:extLst>
+              <a:ext uri="{FF2B5EF4-FFF2-40B4-BE49-F238E27FC236}">
+                <a16:creationId xmlns:a16="http://schemas.microsoft.com/office/drawing/2014/main" id="{827C32F7-EAB8-F143-B412-CBD04F7209BF}"/>
+              </a:ext>
+            </a:extLst>
+          </p:cNvPr>
+          <p:cNvSpPr txBox="1"/>
+          <p:nvPr/>
+        </p:nvSpPr>
+        <p:spPr>
+          <a:xfrm>
+            <a:off x="68068" y="6475487"/>
+            <a:ext cx="4030964" cy="338554"/>
+          </a:xfrm>
+          <a:prstGeom prst="rect">
+            <a:avLst/>
+          </a:prstGeom>
+          <a:noFill/>
+        </p:spPr>
+        <p:txBody>
+          <a:bodyPr wrap="square" rtlCol="0">
+            <a:spAutoFit/>
+          </a:bodyPr>
+          <a:lstStyle/>
+          <a:p>
+            <a:r>
+              <a:rPr lang="fr-FR" sz="1600" noProof="1">
+                <a:solidFill>
+                  <a:schemeClr val="bg1">
+                    <a:lumMod val="65000"/>
+                  </a:schemeClr>
+                </a:solidFill>
+              </a:rPr>
+              <a:t>T. ARNOLD</a:t>
+            </a:r>
+          </a:p>
+        </p:txBody>
+      </p:sp>
+      <p:sp>
+        <p:nvSpPr>
+          <p:cNvPr id="2" name="ZoneTexte 71">
+            <a:extLst>
+              <a:ext uri="{FF2B5EF4-FFF2-40B4-BE49-F238E27FC236}">
+                <a16:creationId xmlns:a16="http://schemas.microsoft.com/office/drawing/2014/main" id="{AEE56A58-B799-539C-7755-79635B994B0B}"/>
+              </a:ext>
+            </a:extLst>
+          </p:cNvPr>
+          <p:cNvSpPr txBox="1"/>
+          <p:nvPr/>
+        </p:nvSpPr>
+        <p:spPr>
+          <a:xfrm>
+            <a:off x="391128" y="1481243"/>
+            <a:ext cx="11065148" cy="4893647"/>
+          </a:xfrm>
+          <a:prstGeom prst="rect">
+            <a:avLst/>
+          </a:prstGeom>
+          <a:noFill/>
+        </p:spPr>
+        <p:txBody>
+          <a:bodyPr wrap="square" rtlCol="0">
+            <a:spAutoFit/>
+          </a:bodyPr>
+          <a:lstStyle/>
+          <a:p>
+            <a:r>
+              <a:rPr lang="en-US" sz="2400" noProof="1"/>
+              <a:t>Here is a common example of how relevance theory might interpret an utterance:</a:t>
+            </a:r>
+          </a:p>
+          <a:p>
+            <a:endParaRPr lang="en-US" sz="2400" noProof="1"/>
+          </a:p>
+          <a:p>
+            <a:r>
+              <a:rPr lang="en-US" sz="2400" noProof="1"/>
+              <a:t>	Q: “Do you want to see a movie tonight?” A: “I need to take a math test Friday.”</a:t>
+            </a:r>
+          </a:p>
+          <a:p>
+            <a:endParaRPr lang="en-US" sz="2400" noProof="1"/>
+          </a:p>
+          <a:p>
+            <a:r>
+              <a:rPr lang="en-US" sz="2400" noProof="1"/>
+              <a:t>	(explicated) I need to take a mathematics test </a:t>
             </a:r>
             <a:r>
               <a:rPr lang="en-US" sz="2400" u="sng" noProof="1"/>
@@ -5600,7 +6280,7 @@
                   </a:schemeClr>
                 </a:solidFill>
               </a:rPr>
-              <a:t>explicature</a:t>
+              <a:t>explicature/implicature</a:t>
             </a:r>
             <a:r>
               <a:rPr lang="en-US" sz="2400" noProof="1">
@@ -5610,27 +6290,7 @@
                   </a:schemeClr>
                 </a:solidFill>
               </a:rPr>
-              <a:t> and </a:t>
-            </a:r>
-            <a:r>
-              <a:rPr lang="en-US" sz="2400" b="1" noProof="1">
-                <a:solidFill>
-                  <a:schemeClr val="accent6">
-                    <a:lumMod val="75000"/>
-                  </a:schemeClr>
-                </a:solidFill>
-              </a:rPr>
-              <a:t>implicature</a:t>
-            </a:r>
-            <a:r>
-              <a:rPr lang="en-US" sz="2400" noProof="1">
-                <a:solidFill>
-                  <a:schemeClr val="accent6">
-                    <a:lumMod val="75000"/>
-                  </a:schemeClr>
-                </a:solidFill>
-              </a:rPr>
-              <a:t> are both subtle and often debated. We should not feel the need or ability to obviously apply this framework versus Grice, Horn, or Levinson. Rather, try to understand the different approachs and how they may be useful for understanding pragmatic meanings.</a:t>
+              <a:t> and semantics/pragmatics can be subtle and are often debated. The same can be said for the four implicature theories we have explored. Try to understand the different approachs and how they may be useful for understanding pragmatic meanings, but don’t feel that you should be able fit every implicature neatly into each framework. </a:t>
             </a:r>
           </a:p>
         </p:txBody>
@@ -5638,7 +6298,7 @@
     </p:spTree>
     <p:extLst>
       <p:ext uri="{BB962C8B-B14F-4D97-AF65-F5344CB8AC3E}">
-        <p14:creationId xmlns:p14="http://schemas.microsoft.com/office/powerpoint/2010/main" val="1100774640"/>
+        <p14:creationId xmlns:p14="http://schemas.microsoft.com/office/powerpoint/2010/main" val="508087397"/>
       </p:ext>
     </p:extLst>
   </p:cSld>
@@ -5914,7 +6574,7 @@
             </a:r>
             <a:r>
               <a:rPr lang="fr-FR" sz="2400" i="1" noProof="1"/>
-              <a:t>particularized implicature</a:t>
+              <a:t>particularised implicature</a:t>
             </a:r>
           </a:p>
           <a:p>
@@ -7606,7 +8266,7 @@
             </a:r>
             <a:r>
               <a:rPr lang="fr-FR" sz="2400" b="1" noProof="1"/>
-              <a:t>R-principal</a:t>
+              <a:t>I-principal</a:t>
             </a:r>
             <a:r>
               <a:rPr lang="fr-FR" sz="2400" noProof="1"/>
@@ -7680,7 +8340,7 @@
           <a:p>
             <a:r>
               <a:rPr lang="fr-FR" sz="2400" noProof="1"/>
-              <a:t>Difference between R- and M-principals is that first is the content and second is the manner of the utterance. Though, this distinction can become blurry.</a:t>
+              <a:t>Difference between I- and M-principals is that first is the content and second is the manner of the utterance. </a:t>
             </a:r>
           </a:p>
         </p:txBody>

--- a/extra/implicature.pptx
+++ b/extra/implicature.pptx
@@ -210,7 +210,7 @@
           <a:p>
             <a:fld id="{067B1328-FBA7-A54A-86BE-4FAFCAA9311A}" type="datetimeFigureOut">
               <a:rPr lang="en-US" smtClean="0"/>
-              <a:t>10/4/22</a:t>
+              <a:t>10/5/22</a:t>
             </a:fld>
             <a:endParaRPr lang="en-US"/>
           </a:p>
@@ -1801,7 +1801,7 @@
           <a:p>
             <a:fld id="{7B9169B0-A344-9A43-AAD5-682508993835}" type="datetimeFigureOut">
               <a:rPr lang="fr-FR" smtClean="0"/>
-              <a:t>04/10/2022</a:t>
+              <a:t>05/10/2022</a:t>
             </a:fld>
             <a:endParaRPr lang="fr-FR"/>
           </a:p>
@@ -1999,7 +1999,7 @@
           <a:p>
             <a:fld id="{7B9169B0-A344-9A43-AAD5-682508993835}" type="datetimeFigureOut">
               <a:rPr lang="fr-FR" smtClean="0"/>
-              <a:t>04/10/2022</a:t>
+              <a:t>05/10/2022</a:t>
             </a:fld>
             <a:endParaRPr lang="fr-FR"/>
           </a:p>
@@ -2207,7 +2207,7 @@
           <a:p>
             <a:fld id="{7B9169B0-A344-9A43-AAD5-682508993835}" type="datetimeFigureOut">
               <a:rPr lang="fr-FR" smtClean="0"/>
-              <a:t>04/10/2022</a:t>
+              <a:t>05/10/2022</a:t>
             </a:fld>
             <a:endParaRPr lang="fr-FR"/>
           </a:p>
@@ -2405,7 +2405,7 @@
           <a:p>
             <a:fld id="{7B9169B0-A344-9A43-AAD5-682508993835}" type="datetimeFigureOut">
               <a:rPr lang="fr-FR" smtClean="0"/>
-              <a:t>04/10/2022</a:t>
+              <a:t>05/10/2022</a:t>
             </a:fld>
             <a:endParaRPr lang="fr-FR"/>
           </a:p>
@@ -2680,7 +2680,7 @@
           <a:p>
             <a:fld id="{7B9169B0-A344-9A43-AAD5-682508993835}" type="datetimeFigureOut">
               <a:rPr lang="fr-FR" smtClean="0"/>
-              <a:t>04/10/2022</a:t>
+              <a:t>05/10/2022</a:t>
             </a:fld>
             <a:endParaRPr lang="fr-FR"/>
           </a:p>
@@ -2945,7 +2945,7 @@
           <a:p>
             <a:fld id="{7B9169B0-A344-9A43-AAD5-682508993835}" type="datetimeFigureOut">
               <a:rPr lang="fr-FR" smtClean="0"/>
-              <a:t>04/10/2022</a:t>
+              <a:t>05/10/2022</a:t>
             </a:fld>
             <a:endParaRPr lang="fr-FR"/>
           </a:p>
@@ -3357,7 +3357,7 @@
           <a:p>
             <a:fld id="{7B9169B0-A344-9A43-AAD5-682508993835}" type="datetimeFigureOut">
               <a:rPr lang="fr-FR" smtClean="0"/>
-              <a:t>04/10/2022</a:t>
+              <a:t>05/10/2022</a:t>
             </a:fld>
             <a:endParaRPr lang="fr-FR"/>
           </a:p>
@@ -3498,7 +3498,7 @@
           <a:p>
             <a:fld id="{7B9169B0-A344-9A43-AAD5-682508993835}" type="datetimeFigureOut">
               <a:rPr lang="fr-FR" smtClean="0"/>
-              <a:t>04/10/2022</a:t>
+              <a:t>05/10/2022</a:t>
             </a:fld>
             <a:endParaRPr lang="fr-FR"/>
           </a:p>
@@ -3611,7 +3611,7 @@
           <a:p>
             <a:fld id="{7B9169B0-A344-9A43-AAD5-682508993835}" type="datetimeFigureOut">
               <a:rPr lang="fr-FR" smtClean="0"/>
-              <a:t>04/10/2022</a:t>
+              <a:t>05/10/2022</a:t>
             </a:fld>
             <a:endParaRPr lang="fr-FR"/>
           </a:p>
@@ -3922,7 +3922,7 @@
           <a:p>
             <a:fld id="{7B9169B0-A344-9A43-AAD5-682508993835}" type="datetimeFigureOut">
               <a:rPr lang="fr-FR" smtClean="0"/>
-              <a:t>04/10/2022</a:t>
+              <a:t>05/10/2022</a:t>
             </a:fld>
             <a:endParaRPr lang="fr-FR"/>
           </a:p>
@@ -4210,7 +4210,7 @@
           <a:p>
             <a:fld id="{7B9169B0-A344-9A43-AAD5-682508993835}" type="datetimeFigureOut">
               <a:rPr lang="fr-FR" smtClean="0"/>
-              <a:t>04/10/2022</a:t>
+              <a:t>05/10/2022</a:t>
             </a:fld>
             <a:endParaRPr lang="fr-FR"/>
           </a:p>
@@ -4451,7 +4451,7 @@
           <a:p>
             <a:fld id="{7B9169B0-A344-9A43-AAD5-682508993835}" type="datetimeFigureOut">
               <a:rPr lang="fr-FR" smtClean="0"/>
-              <a:t>04/10/2022</a:t>
+              <a:t>05/10/2022</a:t>
             </a:fld>
             <a:endParaRPr lang="fr-FR"/>
           </a:p>
@@ -6290,7 +6290,7 @@
                   </a:schemeClr>
                 </a:solidFill>
               </a:rPr>
-              <a:t> and semantics/pragmatics can be subtle and are often debated. The same can be said for the four implicature theories we have explored. Try to understand the different approachs and how they may be useful for understanding pragmatic meanings, but don’t feel that you should be able fit every implicature neatly into each framework. </a:t>
+              <a:t> and semantics/pragmatics can be subtle and are often debated. The same can be said for the four implicature theories we have explored. Try to understand the different approaches and how they may be useful for understanding pragmatic meanings, but don’t feel that you should be able fit every implicature neatly into each framework. </a:t>
             </a:r>
           </a:p>
         </p:txBody>
@@ -6355,7 +6355,7 @@
           <a:p>
             <a:r>
               <a:rPr lang="fr-FR" sz="4800" b="1" u="sng" noProof="1"/>
-              <a:t>(Initial) Defintions</a:t>
+              <a:t>(Initial) Definitions</a:t>
             </a:r>
           </a:p>
         </p:txBody>
@@ -7550,7 +7550,7 @@
             </a:r>
             <a:r>
               <a:rPr lang="fr-FR" sz="2400" b="1" noProof="1"/>
-              <a:t>Q-principal</a:t>
+              <a:t>Q-principle</a:t>
             </a:r>
             <a:r>
               <a:rPr lang="fr-FR" sz="2400" noProof="1"/>
@@ -7560,7 +7560,7 @@
           <a:p>
             <a:r>
               <a:rPr lang="fr-FR" sz="2400" noProof="1"/>
-              <a:t>			say as much as you can (given R-principal)</a:t>
+              <a:t>			say as much as you can (given R-principle)</a:t>
             </a:r>
           </a:p>
           <a:p>
@@ -7579,7 +7579,7 @@
             </a:r>
             <a:r>
               <a:rPr lang="fr-FR" sz="2400" b="1" noProof="1"/>
-              <a:t>R-principal</a:t>
+              <a:t>R-principle</a:t>
             </a:r>
             <a:r>
               <a:rPr lang="fr-FR" sz="2400" noProof="1"/>
@@ -7589,7 +7589,7 @@
           <a:p>
             <a:r>
               <a:rPr lang="fr-FR" sz="2400" noProof="1"/>
-              <a:t>			say no more than you must (given Q-principal)</a:t>
+              <a:t>			say no more than you must (given Q-principle)</a:t>
             </a:r>
           </a:p>
           <a:p>
@@ -7838,7 +7838,7 @@
           <a:p>
             <a:r>
               <a:rPr lang="fr-FR" sz="2400" noProof="1"/>
-              <a:t>Note that the principals tell us how a particular implicature would be made, but not always what implicature would be made. For example, from last time, note that there are often multiple implicatures that are possible from a single utterance:</a:t>
+              <a:t>Note that the principles tell us how a particular implicature would be made, but not always what implicature would be made. For example, from last time, note that there are often multiple implicatures that are possible from a single utterance:</a:t>
             </a:r>
           </a:p>
         </p:txBody>
@@ -7928,7 +7928,7 @@
           <a:p>
             <a:r>
               <a:rPr lang="en-US" sz="2400" b="1" noProof="1"/>
-              <a:t>R-principal</a:t>
+              <a:t>R-principle</a:t>
             </a:r>
           </a:p>
           <a:p>
@@ -7974,7 +7974,7 @@
           <a:p>
             <a:r>
               <a:rPr lang="en-US" sz="2400" b="1" noProof="1"/>
-              <a:t>Q-principal</a:t>
+              <a:t>Q-principle</a:t>
             </a:r>
           </a:p>
           <a:p>
@@ -8214,7 +8214,7 @@
           <a:p>
             <a:r>
               <a:rPr lang="fr-FR" sz="2400" noProof="1"/>
-              <a:t>A slightly different re-formulation than Horn, with three principals based on speaker/addresse differences rather than an opposition between two features:</a:t>
+              <a:t>A slightly different re-formulation than Horn, with three principles based on speaker/addresse differences rather than an opposition between two features:</a:t>
             </a:r>
           </a:p>
           <a:p>
@@ -8227,7 +8227,7 @@
             </a:r>
             <a:r>
               <a:rPr lang="fr-FR" sz="2400" b="1" noProof="1"/>
-              <a:t>Q-principal</a:t>
+              <a:t>Q-principle</a:t>
             </a:r>
             <a:r>
               <a:rPr lang="fr-FR" sz="2400" noProof="1"/>
@@ -8266,7 +8266,7 @@
             </a:r>
             <a:r>
               <a:rPr lang="fr-FR" sz="2400" b="1" noProof="1"/>
-              <a:t>I-principal</a:t>
+              <a:t>I-principle</a:t>
             </a:r>
             <a:r>
               <a:rPr lang="fr-FR" sz="2400" noProof="1"/>
@@ -8305,7 +8305,7 @@
             </a:r>
             <a:r>
               <a:rPr lang="fr-FR" sz="2400" b="1" noProof="1"/>
-              <a:t>M-principal</a:t>
+              <a:t>M-principle</a:t>
             </a:r>
             <a:r>
               <a:rPr lang="fr-FR" sz="2400" noProof="1"/>
@@ -8340,7 +8340,7 @@
           <a:p>
             <a:r>
               <a:rPr lang="fr-FR" sz="2400" noProof="1"/>
-              <a:t>Difference between I- and M-principals is that first is the content and second is the manner of the utterance. </a:t>
+              <a:t>Difference between I- and M-principles is that first is the content and second is the manner of the utterance. </a:t>
             </a:r>
           </a:p>
         </p:txBody>
